--- a/presentation/template.pptx
+++ b/presentation/template.pptx
@@ -2185,7 +2185,7 @@
         </p:nvSpPr>
         <p:spPr>
           <a:xfrm>
-            <a:off x="10862310" y="91440"/>
+            <a:off x="10457815" y="91440"/>
             <a:ext cx="966470" cy="365125"/>
           </a:xfrm>
         </p:spPr>
@@ -2259,8 +2259,8 @@
         </p:nvSpPr>
         <p:spPr>
           <a:xfrm>
-            <a:off x="11634470" y="91440"/>
-            <a:ext cx="543560" cy="368300"/>
+            <a:off x="11271250" y="91440"/>
+            <a:ext cx="820420" cy="368300"/>
           </a:xfrm>
           <a:prstGeom prst="rect">
             <a:avLst/>
